--- a/Teste Recuperação.pptx
+++ b/Teste Recuperação.pptx
@@ -273,7 +273,7 @@
           <a:p>
             <a:fld id="{C43A76A3-ADC8-4477-8FC1-B9DD55D84908}" type="datetime1">
               <a:rPr lang="en-US" smtClean="0"/>
-              <a:t>10/26/2025</a:t>
+              <a:t>10/27/2025</a:t>
             </a:fld>
             <a:endParaRPr lang="en-US" dirty="0"/>
           </a:p>
@@ -471,7 +471,7 @@
           <a:p>
             <a:fld id="{D6762538-DC4D-4667-96E5-B3278DDF8B12}" type="datetime1">
               <a:rPr lang="en-US" smtClean="0"/>
-              <a:t>10/26/2025</a:t>
+              <a:t>10/27/2025</a:t>
             </a:fld>
             <a:endParaRPr lang="en-US"/>
           </a:p>
@@ -679,7 +679,7 @@
           <a:p>
             <a:fld id="{05880548-5C08-4BE3-B63E-F2BB63B0B00C}" type="datetime1">
               <a:rPr lang="en-US" smtClean="0"/>
-              <a:t>10/26/2025</a:t>
+              <a:t>10/27/2025</a:t>
             </a:fld>
             <a:endParaRPr lang="en-US"/>
           </a:p>
@@ -877,7 +877,7 @@
           <a:p>
             <a:fld id="{DE7F49BE-398D-479A-8A7E-5DDBCA61EDCB}" type="datetime1">
               <a:rPr lang="en-US" smtClean="0"/>
-              <a:t>10/26/2025</a:t>
+              <a:t>10/27/2025</a:t>
             </a:fld>
             <a:endParaRPr lang="en-US"/>
           </a:p>
@@ -1153,7 +1153,7 @@
           <a:p>
             <a:fld id="{CCD0C193-4974-4A1F-9C63-07D595E30D66}" type="datetime1">
               <a:rPr lang="en-US" smtClean="0"/>
-              <a:t>10/26/2025</a:t>
+              <a:t>10/27/2025</a:t>
             </a:fld>
             <a:endParaRPr lang="en-US"/>
           </a:p>
@@ -1420,7 +1420,7 @@
           <a:p>
             <a:fld id="{701AA87F-28D4-4BF0-B81F-877A89DFD5AC}" type="datetime1">
               <a:rPr lang="en-US" smtClean="0"/>
-              <a:t>10/26/2025</a:t>
+              <a:t>10/27/2025</a:t>
             </a:fld>
             <a:endParaRPr lang="en-US"/>
           </a:p>
@@ -1834,7 +1834,7 @@
           <a:p>
             <a:fld id="{A8A9F1F3-208B-49A3-B337-9C8ACEB3E0E1}" type="datetime1">
               <a:rPr lang="en-US" smtClean="0"/>
-              <a:t>10/26/2025</a:t>
+              <a:t>10/27/2025</a:t>
             </a:fld>
             <a:endParaRPr lang="en-US"/>
           </a:p>
@@ -1981,7 +1981,7 @@
           <a:p>
             <a:fld id="{27AF6CA6-7293-4AA2-A0E0-A3BF4416E786}" type="datetime1">
               <a:rPr lang="en-US" smtClean="0"/>
-              <a:t>10/26/2025</a:t>
+              <a:t>10/27/2025</a:t>
             </a:fld>
             <a:endParaRPr lang="en-US"/>
           </a:p>
@@ -2094,7 +2094,7 @@
           <a:p>
             <a:fld id="{98D87016-7BCD-46FB-8EE3-AB6C369108B4}" type="datetime1">
               <a:rPr lang="en-US" smtClean="0"/>
-              <a:t>10/26/2025</a:t>
+              <a:t>10/27/2025</a:t>
             </a:fld>
             <a:endParaRPr lang="en-US"/>
           </a:p>
@@ -2413,7 +2413,7 @@
           <a:p>
             <a:fld id="{A1547011-1FFC-4EF8-9A2E-53B4AD2ADBD4}" type="datetime1">
               <a:rPr lang="en-US" smtClean="0"/>
-              <a:t>10/26/2025</a:t>
+              <a:t>10/27/2025</a:t>
             </a:fld>
             <a:endParaRPr lang="en-US"/>
           </a:p>
@@ -2708,7 +2708,7 @@
           <a:p>
             <a:fld id="{9562EB47-45B4-4EF5-A743-B4885DD2F060}" type="datetime1">
               <a:rPr lang="en-US" smtClean="0"/>
-              <a:t>10/26/2025</a:t>
+              <a:t>10/27/2025</a:t>
             </a:fld>
             <a:endParaRPr lang="en-US"/>
           </a:p>
@@ -4093,7 +4093,7 @@
           <a:p>
             <a:fld id="{4A8D24A4-5FEC-4062-8995-EB21925B3B40}" type="datetime1">
               <a:rPr lang="en-US" smtClean="0"/>
-              <a:t>10/26/2025</a:t>
+              <a:t>10/27/2025</a:t>
             </a:fld>
             <a:endParaRPr lang="en-US" sz="1000" dirty="0"/>
           </a:p>
@@ -6292,18 +6292,54 @@
                 <a:solidFill>
                   <a:schemeClr val="bg1"/>
                 </a:solidFill>
-                <a:ea typeface="+mn-lt"/>
-                <a:cs typeface="+mn-lt"/>
               </a:rPr>
-              <a:t>este de Recuperação é uma técnica de teste de software que verifica a capacidade do software de se recuperar de falhas como falhas de software/hardware, falhas de rede, etc. O objetivo do teste de recuperação é determinar se as operações de software podem continuar após um desastre ou perda de integridade</a:t>
-            </a:r>
-            <a:endParaRPr lang="pt-BR" dirty="0">
-              <a:solidFill>
-                <a:schemeClr val="bg1"/>
-              </a:solidFill>
-            </a:endParaRPr>
-          </a:p>
-          <a:p>
+              <a:t>O teste de recuperação verifica se o software se recupera de falhas.</a:t>
+            </a:r>
+            <a:br>
+              <a:rPr lang="pt-BR" dirty="0">
+                <a:solidFill>
+                  <a:schemeClr val="bg1"/>
+                </a:solidFill>
+              </a:rPr>
+            </a:br>
+            <a:r>
+              <a:rPr lang="pt-BR" dirty="0">
+                <a:solidFill>
+                  <a:schemeClr val="bg1"/>
+                </a:solidFill>
+              </a:rPr>
+              <a:t>Inclui falhas de hardware, software e problemas de rede.</a:t>
+            </a:r>
+            <a:br>
+              <a:rPr lang="pt-BR" dirty="0">
+                <a:solidFill>
+                  <a:schemeClr val="bg1"/>
+                </a:solidFill>
+              </a:rPr>
+            </a:br>
+            <a:r>
+              <a:rPr lang="pt-BR" dirty="0">
+                <a:solidFill>
+                  <a:schemeClr val="bg1"/>
+                </a:solidFill>
+              </a:rPr>
+              <a:t>Avalia a capacidade do sistema de continuar operações após desastres.</a:t>
+            </a:r>
+            <a:br>
+              <a:rPr lang="pt-BR" dirty="0">
+                <a:solidFill>
+                  <a:schemeClr val="bg1"/>
+                </a:solidFill>
+              </a:rPr>
+            </a:br>
+            <a:r>
+              <a:rPr lang="pt-BR" dirty="0">
+                <a:solidFill>
+                  <a:schemeClr val="bg1"/>
+                </a:solidFill>
+              </a:rPr>
+              <a:t>Garante a integridade e estabilidade do software em situações adversas.</a:t>
+            </a:r>
             <a:endParaRPr lang="de-DE" dirty="0">
               <a:solidFill>
                 <a:schemeClr val="bg1"/>
@@ -7131,22 +7167,59 @@
           </a:bodyPr>
           <a:lstStyle/>
           <a:p>
-            <a:endParaRPr lang="pt-BR"/>
-          </a:p>
-          <a:p>
-            <a:r>
-              <a:rPr lang="de-DE">
+            <a:r>
+              <a:rPr lang="pt-BR" dirty="0">
                 <a:solidFill>
                   <a:schemeClr val="bg1"/>
                 </a:solidFill>
-                <a:ea typeface="+mn-lt"/>
-                <a:cs typeface="+mn-lt"/>
               </a:rPr>
-              <a:t>O teste de recuperação envolve reverter o software ao ponto em que a integridade era conhecida e reprocessar as transações até o ponto de falha.</a:t>
-            </a:r>
-            <a:endParaRPr lang="de-DE"/>
-          </a:p>
-          <a:p>
+              <a:t>O teste de recuperação reverte o software a um ponto de integridade conhecida.</a:t>
+            </a:r>
+            <a:br>
+              <a:rPr lang="pt-BR" dirty="0">
+                <a:solidFill>
+                  <a:schemeClr val="bg1"/>
+                </a:solidFill>
+              </a:rPr>
+            </a:br>
+            <a:r>
+              <a:rPr lang="pt-BR" dirty="0">
+                <a:solidFill>
+                  <a:schemeClr val="bg1"/>
+                </a:solidFill>
+              </a:rPr>
+              <a:t>As transações são reprocessadas até o ponto de falha.</a:t>
+            </a:r>
+            <a:br>
+              <a:rPr lang="pt-BR" dirty="0">
+                <a:solidFill>
+                  <a:schemeClr val="bg1"/>
+                </a:solidFill>
+              </a:rPr>
+            </a:br>
+            <a:r>
+              <a:rPr lang="pt-BR" dirty="0">
+                <a:solidFill>
+                  <a:schemeClr val="bg1"/>
+                </a:solidFill>
+              </a:rPr>
+              <a:t>Avalia a capacidade do sistema de restaurar operações corretamente.</a:t>
+            </a:r>
+            <a:br>
+              <a:rPr lang="pt-BR" dirty="0">
+                <a:solidFill>
+                  <a:schemeClr val="bg1"/>
+                </a:solidFill>
+              </a:rPr>
+            </a:br>
+            <a:r>
+              <a:rPr lang="pt-BR" dirty="0">
+                <a:solidFill>
+                  <a:schemeClr val="bg1"/>
+                </a:solidFill>
+              </a:rPr>
+              <a:t>Garante confiabilidade após incidentes ou falhas.</a:t>
+            </a:r>
             <a:endParaRPr lang="de-DE" dirty="0">
               <a:solidFill>
                 <a:schemeClr val="bg1"/>
@@ -8027,934 +8100,62 @@
           </a:bodyPr>
           <a:lstStyle/>
           <a:p>
-            <a:endParaRPr lang="pt-BR"/>
-          </a:p>
-          <a:p>
-            <a:r>
-              <a:rPr lang="de-DE" sz="1600" err="1">
+            <a:r>
+              <a:rPr lang="pt-BR" dirty="0">
                 <a:solidFill>
-                  <a:srgbClr val="FFFFFF"/>
+                  <a:schemeClr val="bg1"/>
                 </a:solidFill>
-                <a:ea typeface="+mn-lt"/>
-                <a:cs typeface="+mn-lt"/>
               </a:rPr>
-              <a:t>Devemos</a:t>
-            </a:r>
-            <a:r>
-              <a:rPr lang="de-DE" sz="1600">
+              <a:t>O banco de testes deve simular ao máximo as condições reais de implantação.</a:t>
+            </a:r>
+            <a:br>
+              <a:rPr lang="pt-BR" dirty="0">
                 <a:solidFill>
-                  <a:srgbClr val="FFFFFF"/>
+                  <a:schemeClr val="bg1"/>
                 </a:solidFill>
-                <a:ea typeface="+mn-lt"/>
-                <a:cs typeface="+mn-lt"/>
               </a:rPr>
-              <a:t> </a:t>
-            </a:r>
-            <a:r>
-              <a:rPr lang="de-DE" sz="1600" err="1">
+            </a:br>
+            <a:r>
+              <a:rPr lang="pt-BR" dirty="0">
                 <a:solidFill>
-                  <a:srgbClr val="FFFFFF"/>
+                  <a:schemeClr val="bg1"/>
                 </a:solidFill>
-                <a:ea typeface="+mn-lt"/>
-                <a:cs typeface="+mn-lt"/>
               </a:rPr>
-              <a:t>criar</a:t>
-            </a:r>
-            <a:r>
-              <a:rPr lang="de-DE" sz="1600">
+              <a:t>Alterações em hardware, software e firmware devem refletir o ambiente final.</a:t>
+            </a:r>
+            <a:br>
+              <a:rPr lang="pt-BR" dirty="0">
                 <a:solidFill>
-                  <a:srgbClr val="FFFFFF"/>
+                  <a:schemeClr val="bg1"/>
                 </a:solidFill>
-                <a:ea typeface="+mn-lt"/>
-                <a:cs typeface="+mn-lt"/>
               </a:rPr>
-              <a:t> um banco de testes o mais próximo possível das condições reais de implantação. As alterações na interface, protocolo, firmware, hardware e software devem ser o mais próximo possível da condição real, se não a mesma condição.</a:t>
-            </a:r>
-            <a:endParaRPr lang="de-DE"/>
-          </a:p>
-          <a:p>
-            <a:r>
-              <a:rPr lang="de-DE" sz="1600" err="1">
+            </a:br>
+            <a:r>
+              <a:rPr lang="pt-BR" dirty="0">
                 <a:solidFill>
-                  <a:srgbClr val="FFFFFF"/>
+                  <a:schemeClr val="bg1"/>
                 </a:solidFill>
-                <a:ea typeface="+mn-lt"/>
-                <a:cs typeface="+mn-lt"/>
               </a:rPr>
-              <a:t>Por</a:t>
-            </a:r>
-            <a:r>
-              <a:rPr lang="de-DE" sz="1600">
+              <a:t>Testes exaustivos garantem verificação completa, mesmo sendo caros e demorados.</a:t>
+            </a:r>
+            <a:br>
+              <a:rPr lang="pt-BR" dirty="0">
                 <a:solidFill>
-                  <a:srgbClr val="FFFFFF"/>
+                  <a:schemeClr val="bg1"/>
                 </a:solidFill>
-                <a:ea typeface="+mn-lt"/>
-                <a:cs typeface="+mn-lt"/>
               </a:rPr>
-              <a:t> </a:t>
-            </a:r>
-            <a:r>
-              <a:rPr lang="de-DE" sz="1600" err="1">
+            </a:br>
+            <a:r>
+              <a:rPr lang="pt-BR" dirty="0">
                 <a:solidFill>
-                  <a:srgbClr val="FFFFFF"/>
+                  <a:schemeClr val="bg1"/>
                 </a:solidFill>
-                <a:ea typeface="+mn-lt"/>
-                <a:cs typeface="+mn-lt"/>
               </a:rPr>
-              <a:t>meio</a:t>
-            </a:r>
-            <a:r>
-              <a:rPr lang="de-DE" sz="1600">
-                <a:solidFill>
-                  <a:srgbClr val="FFFFFF"/>
-                </a:solidFill>
-                <a:ea typeface="+mn-lt"/>
-                <a:cs typeface="+mn-lt"/>
-              </a:rPr>
-              <a:t> de testes exaustivos que podem ser demorados e caros, uma configuração idêntica e uma verificação completa devem ser realizadas.</a:t>
-            </a:r>
-            <a:endParaRPr lang="de-DE"/>
-          </a:p>
-          <a:p>
-            <a:r>
-              <a:rPr lang="de-DE" sz="1600" dirty="0">
-                <a:solidFill>
-                  <a:srgbClr val="FFFFFF"/>
-                </a:solidFill>
-                <a:ea typeface="+mn-lt"/>
-                <a:cs typeface="+mn-lt"/>
-              </a:rPr>
-              <a:t>Se </a:t>
-            </a:r>
-            <a:r>
-              <a:rPr lang="de-DE" sz="1600" dirty="0" err="1">
-                <a:solidFill>
-                  <a:srgbClr val="FFFFFF"/>
-                </a:solidFill>
-                <a:ea typeface="+mn-lt"/>
-                <a:cs typeface="+mn-lt"/>
-              </a:rPr>
-              <a:t>possível</a:t>
-            </a:r>
-            <a:r>
-              <a:rPr lang="de-DE" sz="1600" dirty="0">
-                <a:solidFill>
-                  <a:srgbClr val="FFFFFF"/>
-                </a:solidFill>
-                <a:ea typeface="+mn-lt"/>
-                <a:cs typeface="+mn-lt"/>
-              </a:rPr>
-              <a:t>, </a:t>
-            </a:r>
-            <a:r>
-              <a:rPr lang="de-DE" sz="1600" dirty="0" err="1">
-                <a:solidFill>
-                  <a:srgbClr val="FFFFFF"/>
-                </a:solidFill>
-                <a:ea typeface="+mn-lt"/>
-                <a:cs typeface="+mn-lt"/>
-              </a:rPr>
-              <a:t>os</a:t>
-            </a:r>
-            <a:r>
-              <a:rPr lang="de-DE" sz="1600" dirty="0">
-                <a:solidFill>
-                  <a:srgbClr val="FFFFFF"/>
-                </a:solidFill>
-                <a:ea typeface="+mn-lt"/>
-                <a:cs typeface="+mn-lt"/>
-              </a:rPr>
-              <a:t> </a:t>
-            </a:r>
-            <a:r>
-              <a:rPr lang="de-DE" sz="1600" dirty="0" err="1">
-                <a:solidFill>
-                  <a:srgbClr val="FFFFFF"/>
-                </a:solidFill>
-                <a:ea typeface="+mn-lt"/>
-                <a:cs typeface="+mn-lt"/>
-              </a:rPr>
-              <a:t>testes</a:t>
-            </a:r>
-            <a:r>
-              <a:rPr lang="de-DE" sz="1600" dirty="0">
-                <a:solidFill>
-                  <a:srgbClr val="FFFFFF"/>
-                </a:solidFill>
-                <a:ea typeface="+mn-lt"/>
-                <a:cs typeface="+mn-lt"/>
-              </a:rPr>
-              <a:t> </a:t>
-            </a:r>
-            <a:r>
-              <a:rPr lang="de-DE" sz="1600" dirty="0" err="1">
-                <a:solidFill>
-                  <a:srgbClr val="FFFFFF"/>
-                </a:solidFill>
-                <a:ea typeface="+mn-lt"/>
-                <a:cs typeface="+mn-lt"/>
-              </a:rPr>
-              <a:t>devem</a:t>
-            </a:r>
-            <a:r>
-              <a:rPr lang="de-DE" sz="1600" dirty="0">
-                <a:solidFill>
-                  <a:srgbClr val="FFFFFF"/>
-                </a:solidFill>
-                <a:ea typeface="+mn-lt"/>
-                <a:cs typeface="+mn-lt"/>
-              </a:rPr>
-              <a:t> </a:t>
-            </a:r>
-            <a:r>
-              <a:rPr lang="de-DE" sz="1600" dirty="0" err="1">
-                <a:solidFill>
-                  <a:srgbClr val="FFFFFF"/>
-                </a:solidFill>
-                <a:ea typeface="+mn-lt"/>
-                <a:cs typeface="+mn-lt"/>
-              </a:rPr>
-              <a:t>ser</a:t>
-            </a:r>
-            <a:r>
-              <a:rPr lang="de-DE" sz="1600" dirty="0">
-                <a:solidFill>
-                  <a:srgbClr val="FFFFFF"/>
-                </a:solidFill>
-                <a:ea typeface="+mn-lt"/>
-                <a:cs typeface="+mn-lt"/>
-              </a:rPr>
-              <a:t> </a:t>
-            </a:r>
-            <a:r>
-              <a:rPr lang="de-DE" sz="1600" dirty="0" err="1">
-                <a:solidFill>
-                  <a:srgbClr val="FFFFFF"/>
-                </a:solidFill>
-                <a:ea typeface="+mn-lt"/>
-                <a:cs typeface="+mn-lt"/>
-              </a:rPr>
-              <a:t>realizados</a:t>
-            </a:r>
-            <a:r>
-              <a:rPr lang="de-DE" sz="1600" dirty="0">
-                <a:solidFill>
-                  <a:srgbClr val="FFFFFF"/>
-                </a:solidFill>
-                <a:ea typeface="+mn-lt"/>
-                <a:cs typeface="+mn-lt"/>
-              </a:rPr>
-              <a:t> </a:t>
-            </a:r>
-            <a:r>
-              <a:rPr lang="de-DE" sz="1600" dirty="0" err="1">
-                <a:solidFill>
-                  <a:srgbClr val="FFFFFF"/>
-                </a:solidFill>
-                <a:ea typeface="+mn-lt"/>
-                <a:cs typeface="+mn-lt"/>
-              </a:rPr>
-              <a:t>no</a:t>
-            </a:r>
-            <a:r>
-              <a:rPr lang="de-DE" sz="1600" dirty="0">
-                <a:solidFill>
-                  <a:srgbClr val="FFFFFF"/>
-                </a:solidFill>
-                <a:ea typeface="+mn-lt"/>
-                <a:cs typeface="+mn-lt"/>
-              </a:rPr>
-              <a:t> </a:t>
-            </a:r>
-            <a:r>
-              <a:rPr lang="de-DE" sz="1600" dirty="0" err="1">
-                <a:solidFill>
-                  <a:srgbClr val="FFFFFF"/>
-                </a:solidFill>
-                <a:ea typeface="+mn-lt"/>
-                <a:cs typeface="+mn-lt"/>
-              </a:rPr>
-              <a:t>hardware</a:t>
-            </a:r>
-            <a:r>
-              <a:rPr lang="de-DE" sz="1600" dirty="0">
-                <a:solidFill>
-                  <a:srgbClr val="FFFFFF"/>
-                </a:solidFill>
-                <a:ea typeface="+mn-lt"/>
-                <a:cs typeface="+mn-lt"/>
-              </a:rPr>
-              <a:t> </a:t>
-            </a:r>
-            <a:r>
-              <a:rPr lang="de-DE" sz="1600" dirty="0" err="1">
-                <a:solidFill>
-                  <a:srgbClr val="FFFFFF"/>
-                </a:solidFill>
-                <a:ea typeface="+mn-lt"/>
-                <a:cs typeface="+mn-lt"/>
-              </a:rPr>
-              <a:t>que</a:t>
-            </a:r>
-            <a:r>
-              <a:rPr lang="de-DE" sz="1600" dirty="0">
-                <a:solidFill>
-                  <a:srgbClr val="FFFFFF"/>
-                </a:solidFill>
-                <a:ea typeface="+mn-lt"/>
-                <a:cs typeface="+mn-lt"/>
-              </a:rPr>
-              <a:t> </a:t>
-            </a:r>
-            <a:r>
-              <a:rPr lang="de-DE" sz="1600" dirty="0" err="1">
-                <a:solidFill>
-                  <a:srgbClr val="FFFFFF"/>
-                </a:solidFill>
-                <a:ea typeface="+mn-lt"/>
-                <a:cs typeface="+mn-lt"/>
-              </a:rPr>
-              <a:t>finalmente</a:t>
-            </a:r>
-            <a:r>
-              <a:rPr lang="de-DE" sz="1600" dirty="0">
-                <a:solidFill>
-                  <a:srgbClr val="FFFFFF"/>
-                </a:solidFill>
-                <a:ea typeface="+mn-lt"/>
-                <a:cs typeface="+mn-lt"/>
-              </a:rPr>
-              <a:t> </a:t>
-            </a:r>
-            <a:r>
-              <a:rPr lang="de-DE" sz="1600" dirty="0" err="1">
-                <a:solidFill>
-                  <a:srgbClr val="FFFFFF"/>
-                </a:solidFill>
-                <a:ea typeface="+mn-lt"/>
-                <a:cs typeface="+mn-lt"/>
-              </a:rPr>
-              <a:t>iremos</a:t>
-            </a:r>
-            <a:r>
-              <a:rPr lang="de-DE" sz="1600" dirty="0">
-                <a:solidFill>
-                  <a:srgbClr val="FFFFFF"/>
-                </a:solidFill>
-                <a:ea typeface="+mn-lt"/>
-                <a:cs typeface="+mn-lt"/>
-              </a:rPr>
-              <a:t> </a:t>
-            </a:r>
-            <a:r>
-              <a:rPr lang="de-DE" sz="1600" dirty="0" err="1">
-                <a:solidFill>
-                  <a:srgbClr val="FFFFFF"/>
-                </a:solidFill>
-                <a:ea typeface="+mn-lt"/>
-                <a:cs typeface="+mn-lt"/>
-              </a:rPr>
-              <a:t>restaurar</a:t>
-            </a:r>
-            <a:r>
-              <a:rPr lang="de-DE" sz="1600" dirty="0">
-                <a:solidFill>
-                  <a:srgbClr val="FFFFFF"/>
-                </a:solidFill>
-                <a:ea typeface="+mn-lt"/>
-                <a:cs typeface="+mn-lt"/>
-              </a:rPr>
-              <a:t>. </a:t>
-            </a:r>
-            <a:r>
-              <a:rPr lang="de-DE" sz="1600" dirty="0" err="1">
-                <a:solidFill>
-                  <a:srgbClr val="FFFFFF"/>
-                </a:solidFill>
-                <a:ea typeface="+mn-lt"/>
-                <a:cs typeface="+mn-lt"/>
-              </a:rPr>
-              <a:t>Isto</a:t>
-            </a:r>
-            <a:r>
-              <a:rPr lang="de-DE" sz="1600" dirty="0">
-                <a:solidFill>
-                  <a:srgbClr val="FFFFFF"/>
-                </a:solidFill>
-                <a:ea typeface="+mn-lt"/>
-                <a:cs typeface="+mn-lt"/>
-              </a:rPr>
-              <a:t> é </a:t>
-            </a:r>
-            <a:r>
-              <a:rPr lang="de-DE" sz="1600" dirty="0" err="1">
-                <a:solidFill>
-                  <a:srgbClr val="FFFFFF"/>
-                </a:solidFill>
-                <a:ea typeface="+mn-lt"/>
-                <a:cs typeface="+mn-lt"/>
-              </a:rPr>
-              <a:t>especialmente</a:t>
-            </a:r>
-            <a:r>
-              <a:rPr lang="de-DE" sz="1600" dirty="0">
-                <a:solidFill>
-                  <a:srgbClr val="FFFFFF"/>
-                </a:solidFill>
-                <a:ea typeface="+mn-lt"/>
-                <a:cs typeface="+mn-lt"/>
-              </a:rPr>
-              <a:t> </a:t>
-            </a:r>
-            <a:r>
-              <a:rPr lang="de-DE" sz="1600" dirty="0" err="1">
-                <a:solidFill>
-                  <a:srgbClr val="FFFFFF"/>
-                </a:solidFill>
-                <a:ea typeface="+mn-lt"/>
-                <a:cs typeface="+mn-lt"/>
-              </a:rPr>
-              <a:t>verdadeiro</a:t>
-            </a:r>
-            <a:r>
-              <a:rPr lang="de-DE" sz="1600" dirty="0">
-                <a:solidFill>
-                  <a:srgbClr val="FFFFFF"/>
-                </a:solidFill>
-                <a:ea typeface="+mn-lt"/>
-                <a:cs typeface="+mn-lt"/>
-              </a:rPr>
-              <a:t> se </a:t>
-            </a:r>
-            <a:r>
-              <a:rPr lang="de-DE" sz="1600" dirty="0" err="1">
-                <a:solidFill>
-                  <a:srgbClr val="FFFFFF"/>
-                </a:solidFill>
-                <a:ea typeface="+mn-lt"/>
-                <a:cs typeface="+mn-lt"/>
-              </a:rPr>
-              <a:t>estivermos</a:t>
-            </a:r>
-            <a:r>
-              <a:rPr lang="de-DE" sz="1600" dirty="0">
-                <a:solidFill>
-                  <a:srgbClr val="FFFFFF"/>
-                </a:solidFill>
-                <a:ea typeface="+mn-lt"/>
-                <a:cs typeface="+mn-lt"/>
-              </a:rPr>
-              <a:t> </a:t>
-            </a:r>
-            <a:r>
-              <a:rPr lang="de-DE" sz="1600" dirty="0" err="1">
-                <a:solidFill>
-                  <a:srgbClr val="FFFFFF"/>
-                </a:solidFill>
-                <a:ea typeface="+mn-lt"/>
-                <a:cs typeface="+mn-lt"/>
-              </a:rPr>
-              <a:t>restaurando</a:t>
-            </a:r>
-            <a:r>
-              <a:rPr lang="de-DE" sz="1600" dirty="0">
-                <a:solidFill>
-                  <a:srgbClr val="FFFFFF"/>
-                </a:solidFill>
-                <a:ea typeface="+mn-lt"/>
-                <a:cs typeface="+mn-lt"/>
-              </a:rPr>
-              <a:t> </a:t>
-            </a:r>
-            <a:r>
-              <a:rPr lang="de-DE" sz="1600" dirty="0" err="1">
-                <a:solidFill>
-                  <a:srgbClr val="FFFFFF"/>
-                </a:solidFill>
-                <a:ea typeface="+mn-lt"/>
-                <a:cs typeface="+mn-lt"/>
-              </a:rPr>
-              <a:t>para</a:t>
-            </a:r>
-            <a:r>
-              <a:rPr lang="de-DE" sz="1600" dirty="0">
-                <a:solidFill>
-                  <a:srgbClr val="FFFFFF"/>
-                </a:solidFill>
-                <a:ea typeface="+mn-lt"/>
-                <a:cs typeface="+mn-lt"/>
-              </a:rPr>
-              <a:t> </a:t>
-            </a:r>
-            <a:r>
-              <a:rPr lang="de-DE" sz="1600" dirty="0" err="1">
-                <a:solidFill>
-                  <a:srgbClr val="FFFFFF"/>
-                </a:solidFill>
-                <a:ea typeface="+mn-lt"/>
-                <a:cs typeface="+mn-lt"/>
-              </a:rPr>
-              <a:t>uma</a:t>
-            </a:r>
-            <a:r>
-              <a:rPr lang="de-DE" sz="1600" dirty="0">
-                <a:solidFill>
-                  <a:srgbClr val="FFFFFF"/>
-                </a:solidFill>
-                <a:ea typeface="+mn-lt"/>
-                <a:cs typeface="+mn-lt"/>
-              </a:rPr>
-              <a:t> </a:t>
-            </a:r>
-            <a:r>
-              <a:rPr lang="de-DE" sz="1600" dirty="0" err="1">
-                <a:solidFill>
-                  <a:srgbClr val="FFFFFF"/>
-                </a:solidFill>
-                <a:ea typeface="+mn-lt"/>
-                <a:cs typeface="+mn-lt"/>
-              </a:rPr>
-              <a:t>máquina</a:t>
-            </a:r>
-            <a:r>
-              <a:rPr lang="de-DE" sz="1600" dirty="0">
-                <a:solidFill>
-                  <a:srgbClr val="FFFFFF"/>
-                </a:solidFill>
-                <a:ea typeface="+mn-lt"/>
-                <a:cs typeface="+mn-lt"/>
-              </a:rPr>
-              <a:t> </a:t>
-            </a:r>
-            <a:r>
-              <a:rPr lang="de-DE" sz="1600" dirty="0" err="1">
-                <a:solidFill>
-                  <a:srgbClr val="FFFFFF"/>
-                </a:solidFill>
-                <a:ea typeface="+mn-lt"/>
-                <a:cs typeface="+mn-lt"/>
-              </a:rPr>
-              <a:t>diferente</a:t>
-            </a:r>
-            <a:r>
-              <a:rPr lang="de-DE" sz="1600" dirty="0">
-                <a:solidFill>
-                  <a:srgbClr val="FFFFFF"/>
-                </a:solidFill>
-                <a:ea typeface="+mn-lt"/>
-                <a:cs typeface="+mn-lt"/>
-              </a:rPr>
-              <a:t> </a:t>
-            </a:r>
-            <a:r>
-              <a:rPr lang="de-DE" sz="1600" dirty="0" err="1">
-                <a:solidFill>
-                  <a:srgbClr val="FFFFFF"/>
-                </a:solidFill>
-                <a:ea typeface="+mn-lt"/>
-                <a:cs typeface="+mn-lt"/>
-              </a:rPr>
-              <a:t>daquela</a:t>
-            </a:r>
-            <a:r>
-              <a:rPr lang="de-DE" sz="1600" dirty="0">
-                <a:solidFill>
-                  <a:srgbClr val="FFFFFF"/>
-                </a:solidFill>
-                <a:ea typeface="+mn-lt"/>
-                <a:cs typeface="+mn-lt"/>
-              </a:rPr>
-              <a:t> </a:t>
-            </a:r>
-            <a:r>
-              <a:rPr lang="de-DE" sz="1600" dirty="0" err="1">
-                <a:solidFill>
-                  <a:srgbClr val="FFFFFF"/>
-                </a:solidFill>
-                <a:ea typeface="+mn-lt"/>
-                <a:cs typeface="+mn-lt"/>
-              </a:rPr>
-              <a:t>que</a:t>
-            </a:r>
-            <a:r>
-              <a:rPr lang="de-DE" sz="1600" dirty="0">
-                <a:solidFill>
-                  <a:srgbClr val="FFFFFF"/>
-                </a:solidFill>
-                <a:ea typeface="+mn-lt"/>
-                <a:cs typeface="+mn-lt"/>
-              </a:rPr>
-              <a:t> </a:t>
-            </a:r>
-            <a:r>
-              <a:rPr lang="de-DE" sz="1600" dirty="0" err="1">
-                <a:solidFill>
-                  <a:srgbClr val="FFFFFF"/>
-                </a:solidFill>
-                <a:ea typeface="+mn-lt"/>
-                <a:cs typeface="+mn-lt"/>
-              </a:rPr>
-              <a:t>criou</a:t>
-            </a:r>
-            <a:r>
-              <a:rPr lang="de-DE" sz="1600" dirty="0">
-                <a:solidFill>
-                  <a:srgbClr val="FFFFFF"/>
-                </a:solidFill>
-                <a:ea typeface="+mn-lt"/>
-                <a:cs typeface="+mn-lt"/>
-              </a:rPr>
-              <a:t> o </a:t>
-            </a:r>
-            <a:r>
-              <a:rPr lang="de-DE" sz="1600" dirty="0" err="1">
-                <a:solidFill>
-                  <a:srgbClr val="FFFFFF"/>
-                </a:solidFill>
-                <a:ea typeface="+mn-lt"/>
-                <a:cs typeface="+mn-lt"/>
-              </a:rPr>
-              <a:t>backup</a:t>
-            </a:r>
-            <a:r>
-              <a:rPr lang="de-DE" sz="1600" dirty="0">
-                <a:solidFill>
-                  <a:srgbClr val="FFFFFF"/>
-                </a:solidFill>
-                <a:ea typeface="+mn-lt"/>
-                <a:cs typeface="+mn-lt"/>
-              </a:rPr>
-              <a:t>.</a:t>
-            </a:r>
-            <a:endParaRPr lang="de-DE" dirty="0"/>
-          </a:p>
-          <a:p>
-            <a:r>
-              <a:rPr lang="de-DE" sz="1600" dirty="0" err="1">
-                <a:solidFill>
-                  <a:srgbClr val="FFFFFF"/>
-                </a:solidFill>
-                <a:ea typeface="+mn-lt"/>
-                <a:cs typeface="+mn-lt"/>
-              </a:rPr>
-              <a:t>Alguns</a:t>
-            </a:r>
-            <a:r>
-              <a:rPr lang="de-DE" sz="1600" dirty="0">
-                <a:solidFill>
-                  <a:srgbClr val="FFFFFF"/>
-                </a:solidFill>
-                <a:ea typeface="+mn-lt"/>
-                <a:cs typeface="+mn-lt"/>
-              </a:rPr>
-              <a:t> </a:t>
-            </a:r>
-            <a:r>
-              <a:rPr lang="de-DE" sz="1600" dirty="0" err="1">
-                <a:solidFill>
-                  <a:srgbClr val="FFFFFF"/>
-                </a:solidFill>
-                <a:ea typeface="+mn-lt"/>
-                <a:cs typeface="+mn-lt"/>
-              </a:rPr>
-              <a:t>sistemas</a:t>
-            </a:r>
-            <a:r>
-              <a:rPr lang="de-DE" sz="1600" dirty="0">
-                <a:solidFill>
-                  <a:srgbClr val="FFFFFF"/>
-                </a:solidFill>
-                <a:ea typeface="+mn-lt"/>
-                <a:cs typeface="+mn-lt"/>
-              </a:rPr>
-              <a:t> de </a:t>
-            </a:r>
-            <a:r>
-              <a:rPr lang="de-DE" sz="1600" dirty="0" err="1">
-                <a:solidFill>
-                  <a:srgbClr val="FFFFFF"/>
-                </a:solidFill>
-                <a:ea typeface="+mn-lt"/>
-                <a:cs typeface="+mn-lt"/>
-              </a:rPr>
-              <a:t>backup</a:t>
-            </a:r>
-            <a:r>
-              <a:rPr lang="de-DE" sz="1600" dirty="0">
-                <a:solidFill>
-                  <a:srgbClr val="FFFFFF"/>
-                </a:solidFill>
-                <a:ea typeface="+mn-lt"/>
-                <a:cs typeface="+mn-lt"/>
-              </a:rPr>
-              <a:t> </a:t>
-            </a:r>
-            <a:r>
-              <a:rPr lang="de-DE" sz="1600" dirty="0" err="1">
-                <a:solidFill>
-                  <a:srgbClr val="FFFFFF"/>
-                </a:solidFill>
-                <a:ea typeface="+mn-lt"/>
-                <a:cs typeface="+mn-lt"/>
-              </a:rPr>
-              <a:t>esperam</a:t>
-            </a:r>
-            <a:r>
-              <a:rPr lang="de-DE" sz="1600" dirty="0">
-                <a:solidFill>
-                  <a:srgbClr val="FFFFFF"/>
-                </a:solidFill>
-                <a:ea typeface="+mn-lt"/>
-                <a:cs typeface="+mn-lt"/>
-              </a:rPr>
-              <a:t> </a:t>
-            </a:r>
-            <a:r>
-              <a:rPr lang="de-DE" sz="1600" dirty="0" err="1">
-                <a:solidFill>
-                  <a:srgbClr val="FFFFFF"/>
-                </a:solidFill>
-                <a:ea typeface="+mn-lt"/>
-                <a:cs typeface="+mn-lt"/>
-              </a:rPr>
-              <a:t>que</a:t>
-            </a:r>
-            <a:r>
-              <a:rPr lang="de-DE" sz="1600" dirty="0">
-                <a:solidFill>
-                  <a:srgbClr val="FFFFFF"/>
-                </a:solidFill>
-                <a:ea typeface="+mn-lt"/>
-                <a:cs typeface="+mn-lt"/>
-              </a:rPr>
-              <a:t> o </a:t>
-            </a:r>
-            <a:r>
-              <a:rPr lang="de-DE" sz="1600" dirty="0" err="1">
-                <a:solidFill>
-                  <a:srgbClr val="FFFFFF"/>
-                </a:solidFill>
-                <a:ea typeface="+mn-lt"/>
-                <a:cs typeface="+mn-lt"/>
-              </a:rPr>
-              <a:t>disco</a:t>
-            </a:r>
-            <a:r>
-              <a:rPr lang="de-DE" sz="1600" dirty="0">
-                <a:solidFill>
-                  <a:srgbClr val="FFFFFF"/>
-                </a:solidFill>
-                <a:ea typeface="+mn-lt"/>
-                <a:cs typeface="+mn-lt"/>
-              </a:rPr>
-              <a:t> </a:t>
-            </a:r>
-            <a:r>
-              <a:rPr lang="de-DE" sz="1600" dirty="0" err="1">
-                <a:solidFill>
-                  <a:srgbClr val="FFFFFF"/>
-                </a:solidFill>
-                <a:ea typeface="+mn-lt"/>
-                <a:cs typeface="+mn-lt"/>
-              </a:rPr>
-              <a:t>rígido</a:t>
-            </a:r>
-            <a:r>
-              <a:rPr lang="de-DE" sz="1600" dirty="0">
-                <a:solidFill>
-                  <a:srgbClr val="FFFFFF"/>
-                </a:solidFill>
-                <a:ea typeface="+mn-lt"/>
-                <a:cs typeface="+mn-lt"/>
-              </a:rPr>
-              <a:t> </a:t>
-            </a:r>
-            <a:r>
-              <a:rPr lang="de-DE" sz="1600" dirty="0" err="1">
-                <a:solidFill>
-                  <a:srgbClr val="FFFFFF"/>
-                </a:solidFill>
-                <a:ea typeface="+mn-lt"/>
-                <a:cs typeface="+mn-lt"/>
-              </a:rPr>
-              <a:t>tenha</a:t>
-            </a:r>
-            <a:r>
-              <a:rPr lang="de-DE" sz="1600" dirty="0">
-                <a:solidFill>
-                  <a:srgbClr val="FFFFFF"/>
-                </a:solidFill>
-                <a:ea typeface="+mn-lt"/>
-                <a:cs typeface="+mn-lt"/>
-              </a:rPr>
-              <a:t> </a:t>
-            </a:r>
-            <a:r>
-              <a:rPr lang="de-DE" sz="1600" dirty="0" err="1">
-                <a:solidFill>
-                  <a:srgbClr val="FFFFFF"/>
-                </a:solidFill>
-                <a:ea typeface="+mn-lt"/>
-                <a:cs typeface="+mn-lt"/>
-              </a:rPr>
-              <a:t>exatamente</a:t>
-            </a:r>
-            <a:r>
-              <a:rPr lang="de-DE" sz="1600" dirty="0">
-                <a:solidFill>
-                  <a:srgbClr val="FFFFFF"/>
-                </a:solidFill>
-                <a:ea typeface="+mn-lt"/>
-                <a:cs typeface="+mn-lt"/>
-              </a:rPr>
-              <a:t> o </a:t>
-            </a:r>
-            <a:r>
-              <a:rPr lang="de-DE" sz="1600" dirty="0" err="1">
-                <a:solidFill>
-                  <a:srgbClr val="FFFFFF"/>
-                </a:solidFill>
-                <a:ea typeface="+mn-lt"/>
-                <a:cs typeface="+mn-lt"/>
-              </a:rPr>
-              <a:t>mesmo</a:t>
-            </a:r>
-            <a:r>
-              <a:rPr lang="de-DE" sz="1600" dirty="0">
-                <a:solidFill>
-                  <a:srgbClr val="FFFFFF"/>
-                </a:solidFill>
-                <a:ea typeface="+mn-lt"/>
-                <a:cs typeface="+mn-lt"/>
-              </a:rPr>
-              <a:t> </a:t>
-            </a:r>
-            <a:r>
-              <a:rPr lang="de-DE" sz="1600" dirty="0" err="1">
-                <a:solidFill>
-                  <a:srgbClr val="FFFFFF"/>
-                </a:solidFill>
-                <a:ea typeface="+mn-lt"/>
-                <a:cs typeface="+mn-lt"/>
-              </a:rPr>
-              <a:t>tamanho</a:t>
-            </a:r>
-            <a:r>
-              <a:rPr lang="de-DE" sz="1600" dirty="0">
-                <a:solidFill>
-                  <a:srgbClr val="FFFFFF"/>
-                </a:solidFill>
-                <a:ea typeface="+mn-lt"/>
-                <a:cs typeface="+mn-lt"/>
-              </a:rPr>
-              <a:t> </a:t>
-            </a:r>
-            <a:r>
-              <a:rPr lang="de-DE" sz="1600" dirty="0" err="1">
-                <a:solidFill>
-                  <a:srgbClr val="FFFFFF"/>
-                </a:solidFill>
-                <a:ea typeface="+mn-lt"/>
-                <a:cs typeface="+mn-lt"/>
-              </a:rPr>
-              <a:t>daquele</a:t>
-            </a:r>
-            <a:r>
-              <a:rPr lang="de-DE" sz="1600" dirty="0">
-                <a:solidFill>
-                  <a:srgbClr val="FFFFFF"/>
-                </a:solidFill>
-                <a:ea typeface="+mn-lt"/>
-                <a:cs typeface="+mn-lt"/>
-              </a:rPr>
-              <a:t> de </a:t>
-            </a:r>
-            <a:r>
-              <a:rPr lang="de-DE" sz="1600" dirty="0" err="1">
-                <a:solidFill>
-                  <a:srgbClr val="FFFFFF"/>
-                </a:solidFill>
-                <a:ea typeface="+mn-lt"/>
-                <a:cs typeface="+mn-lt"/>
-              </a:rPr>
-              <a:t>onde</a:t>
-            </a:r>
-            <a:r>
-              <a:rPr lang="de-DE" sz="1600" dirty="0">
-                <a:solidFill>
-                  <a:srgbClr val="FFFFFF"/>
-                </a:solidFill>
-                <a:ea typeface="+mn-lt"/>
-                <a:cs typeface="+mn-lt"/>
-              </a:rPr>
-              <a:t> o </a:t>
-            </a:r>
-            <a:r>
-              <a:rPr lang="de-DE" sz="1600" dirty="0" err="1">
-                <a:solidFill>
-                  <a:srgbClr val="FFFFFF"/>
-                </a:solidFill>
-                <a:ea typeface="+mn-lt"/>
-                <a:cs typeface="+mn-lt"/>
-              </a:rPr>
-              <a:t>backup</a:t>
-            </a:r>
-            <a:r>
-              <a:rPr lang="de-DE" sz="1600" dirty="0">
-                <a:solidFill>
-                  <a:srgbClr val="FFFFFF"/>
-                </a:solidFill>
-                <a:ea typeface="+mn-lt"/>
-                <a:cs typeface="+mn-lt"/>
-              </a:rPr>
-              <a:t> </a:t>
-            </a:r>
-            <a:r>
-              <a:rPr lang="de-DE" sz="1600" dirty="0" err="1">
-                <a:solidFill>
-                  <a:srgbClr val="FFFFFF"/>
-                </a:solidFill>
-                <a:ea typeface="+mn-lt"/>
-                <a:cs typeface="+mn-lt"/>
-              </a:rPr>
-              <a:t>foi</a:t>
-            </a:r>
-            <a:r>
-              <a:rPr lang="de-DE" sz="1600" dirty="0">
-                <a:solidFill>
-                  <a:srgbClr val="FFFFFF"/>
-                </a:solidFill>
-                <a:ea typeface="+mn-lt"/>
-                <a:cs typeface="+mn-lt"/>
-              </a:rPr>
-              <a:t> </a:t>
-            </a:r>
-            <a:r>
-              <a:rPr lang="de-DE" sz="1600" dirty="0" err="1">
-                <a:solidFill>
-                  <a:srgbClr val="FFFFFF"/>
-                </a:solidFill>
-                <a:ea typeface="+mn-lt"/>
-                <a:cs typeface="+mn-lt"/>
-              </a:rPr>
-              <a:t>feito</a:t>
-            </a:r>
-            <a:r>
-              <a:rPr lang="de-DE" sz="1600" dirty="0">
-                <a:solidFill>
-                  <a:srgbClr val="FFFFFF"/>
-                </a:solidFill>
-                <a:ea typeface="+mn-lt"/>
-                <a:cs typeface="+mn-lt"/>
-              </a:rPr>
-              <a:t>.</a:t>
-            </a:r>
-            <a:endParaRPr lang="de-DE" dirty="0"/>
-          </a:p>
-          <a:p>
-            <a:endParaRPr lang="de-DE" sz="1600" dirty="0">
+              <a:t>Sempre que possível, use o hardware destino para restaurar e validar backups.</a:t>
+            </a:r>
+            <a:endParaRPr lang="de-DE" dirty="0">
               <a:solidFill>
-                <a:srgbClr val="FFFFFF"/>
+                <a:schemeClr val="bg1"/>
               </a:solidFill>
               <a:ea typeface="Calibri"/>
               <a:cs typeface="Calibri"/>
